--- a/assets/mockup.pptx
+++ b/assets/mockup.pptx
@@ -7,6 +7,7 @@
   <p:sldIdLst>
     <p:sldId id="256" r:id="rId2"/>
     <p:sldId id="257" r:id="rId3"/>
+    <p:sldId id="258" r:id="rId4"/>
   </p:sldIdLst>
   <p:sldSz cx="12192000" cy="6858000"/>
   <p:notesSz cx="6858000" cy="9144000"/>
@@ -3883,6 +3884,74 @@
 </p:sld>
 </file>
 
+<file path=ppt/slides/slide3.xml><?xml version="1.0" encoding="utf-8"?>
+<p:sld xmlns:a="http://schemas.openxmlformats.org/drawingml/2006/main" xmlns:r="http://schemas.openxmlformats.org/officeDocument/2006/relationships" xmlns:p="http://schemas.openxmlformats.org/presentationml/2006/main">
+  <p:cSld>
+    <p:bg>
+      <p:bgPr>
+        <a:solidFill>
+          <a:schemeClr val="tx1"/>
+        </a:solidFill>
+        <a:effectLst/>
+      </p:bgPr>
+    </p:bg>
+    <p:spTree>
+      <p:nvGrpSpPr>
+        <p:cNvPr id="1" name=""/>
+        <p:cNvGrpSpPr/>
+        <p:nvPr/>
+      </p:nvGrpSpPr>
+      <p:grpSpPr>
+        <a:xfrm>
+          <a:off x="0" y="0"/>
+          <a:ext cx="0" cy="0"/>
+          <a:chOff x="0" y="0"/>
+          <a:chExt cx="0" cy="0"/>
+        </a:xfrm>
+      </p:grpSpPr>
+      <p:pic>
+        <p:nvPicPr>
+          <p:cNvPr id="3" name="Picture 2">
+            <a:extLst>
+              <a:ext uri="{FF2B5EF4-FFF2-40B4-BE49-F238E27FC236}">
+                <a16:creationId xmlns:a16="http://schemas.microsoft.com/office/drawing/2014/main" id="{94EEFFB8-0FDC-6440-FD33-094CA8FB748A}"/>
+              </a:ext>
+            </a:extLst>
+          </p:cNvPr>
+          <p:cNvPicPr>
+            <a:picLocks noChangeAspect="1"/>
+          </p:cNvPicPr>
+          <p:nvPr/>
+        </p:nvPicPr>
+        <p:blipFill>
+          <a:blip r:embed="rId2"/>
+          <a:stretch>
+            <a:fillRect/>
+          </a:stretch>
+        </p:blipFill>
+        <p:spPr>
+          <a:xfrm>
+            <a:off x="695325" y="1152525"/>
+            <a:ext cx="10801350" cy="4552950"/>
+          </a:xfrm>
+          <a:prstGeom prst="rect">
+            <a:avLst/>
+          </a:prstGeom>
+        </p:spPr>
+      </p:pic>
+    </p:spTree>
+    <p:extLst>
+      <p:ext uri="{BB962C8B-B14F-4D97-AF65-F5344CB8AC3E}">
+        <p14:creationId xmlns:p14="http://schemas.microsoft.com/office/powerpoint/2010/main" val="1066530061"/>
+      </p:ext>
+    </p:extLst>
+  </p:cSld>
+  <p:clrMapOvr>
+    <a:masterClrMapping/>
+  </p:clrMapOvr>
+</p:sld>
+</file>
+
 <file path=ppt/theme/theme1.xml><?xml version="1.0" encoding="utf-8"?>
 <a:theme xmlns:a="http://schemas.openxmlformats.org/drawingml/2006/main" name="Office Theme">
   <a:themeElements>

--- a/assets/mockup.pptx
+++ b/assets/mockup.pptx
@@ -3939,6 +3939,67 @@
           </a:prstGeom>
         </p:spPr>
       </p:pic>
+      <p:sp>
+        <p:nvSpPr>
+          <p:cNvPr id="4" name="Rectangle: Rounded Corners 3">
+            <a:extLst>
+              <a:ext uri="{FF2B5EF4-FFF2-40B4-BE49-F238E27FC236}">
+                <a16:creationId xmlns:a16="http://schemas.microsoft.com/office/drawing/2014/main" id="{EBA37C59-CEF9-17B6-3799-98D8E7C5EC6B}"/>
+              </a:ext>
+            </a:extLst>
+          </p:cNvPr>
+          <p:cNvSpPr/>
+          <p:nvPr/>
+        </p:nvSpPr>
+        <p:spPr>
+          <a:xfrm>
+            <a:off x="5324475" y="4305299"/>
+            <a:ext cx="1066800" cy="333375"/>
+          </a:xfrm>
+          <a:prstGeom prst="roundRect">
+            <a:avLst>
+              <a:gd name="adj" fmla="val 28096"/>
+            </a:avLst>
+          </a:prstGeom>
+          <a:solidFill>
+            <a:srgbClr val="838B91"/>
+          </a:solidFill>
+          <a:ln>
+            <a:noFill/>
+          </a:ln>
+          <a:effectLst>
+            <a:innerShdw blurRad="63500" dist="50800" dir="13500000">
+              <a:prstClr val="black">
+                <a:alpha val="50000"/>
+              </a:prstClr>
+            </a:innerShdw>
+          </a:effectLst>
+        </p:spPr>
+        <p:style>
+          <a:lnRef idx="2">
+            <a:schemeClr val="accent1">
+              <a:shade val="15000"/>
+            </a:schemeClr>
+          </a:lnRef>
+          <a:fillRef idx="1">
+            <a:schemeClr val="accent1"/>
+          </a:fillRef>
+          <a:effectRef idx="0">
+            <a:schemeClr val="accent1"/>
+          </a:effectRef>
+          <a:fontRef idx="minor">
+            <a:schemeClr val="lt1"/>
+          </a:fontRef>
+        </p:style>
+        <p:txBody>
+          <a:bodyPr rtlCol="0" anchor="ctr"/>
+          <a:lstStyle/>
+          <a:p>
+            <a:pPr algn="ctr"/>
+            <a:endParaRPr lang="en-US"/>
+          </a:p>
+        </p:txBody>
+      </p:sp>
     </p:spTree>
     <p:extLst>
       <p:ext uri="{BB962C8B-B14F-4D97-AF65-F5344CB8AC3E}">

--- a/assets/mockup.pptx
+++ b/assets/mockup.pptx
@@ -8,6 +8,7 @@
     <p:sldId id="256" r:id="rId2"/>
     <p:sldId id="257" r:id="rId3"/>
     <p:sldId id="258" r:id="rId4"/>
+    <p:sldId id="259" r:id="rId5"/>
   </p:sldIdLst>
   <p:sldSz cx="12192000" cy="6858000"/>
   <p:notesSz cx="6858000" cy="9144000"/>
@@ -261,7 +262,7 @@
           <a:p>
             <a:fld id="{65FB9B10-DD6A-4A61-BD81-A08AC2F071D7}" type="datetimeFigureOut">
               <a:rPr lang="en-US" smtClean="0"/>
-              <a:t>5/21/2025</a:t>
+              <a:t>5/24/2025</a:t>
             </a:fld>
             <a:endParaRPr lang="en-US"/>
           </a:p>
@@ -459,7 +460,7 @@
           <a:p>
             <a:fld id="{65FB9B10-DD6A-4A61-BD81-A08AC2F071D7}" type="datetimeFigureOut">
               <a:rPr lang="en-US" smtClean="0"/>
-              <a:t>5/21/2025</a:t>
+              <a:t>5/24/2025</a:t>
             </a:fld>
             <a:endParaRPr lang="en-US"/>
           </a:p>
@@ -667,7 +668,7 @@
           <a:p>
             <a:fld id="{65FB9B10-DD6A-4A61-BD81-A08AC2F071D7}" type="datetimeFigureOut">
               <a:rPr lang="en-US" smtClean="0"/>
-              <a:t>5/21/2025</a:t>
+              <a:t>5/24/2025</a:t>
             </a:fld>
             <a:endParaRPr lang="en-US"/>
           </a:p>
@@ -865,7 +866,7 @@
           <a:p>
             <a:fld id="{65FB9B10-DD6A-4A61-BD81-A08AC2F071D7}" type="datetimeFigureOut">
               <a:rPr lang="en-US" smtClean="0"/>
-              <a:t>5/21/2025</a:t>
+              <a:t>5/24/2025</a:t>
             </a:fld>
             <a:endParaRPr lang="en-US"/>
           </a:p>
@@ -1140,7 +1141,7 @@
           <a:p>
             <a:fld id="{65FB9B10-DD6A-4A61-BD81-A08AC2F071D7}" type="datetimeFigureOut">
               <a:rPr lang="en-US" smtClean="0"/>
-              <a:t>5/21/2025</a:t>
+              <a:t>5/24/2025</a:t>
             </a:fld>
             <a:endParaRPr lang="en-US"/>
           </a:p>
@@ -1405,7 +1406,7 @@
           <a:p>
             <a:fld id="{65FB9B10-DD6A-4A61-BD81-A08AC2F071D7}" type="datetimeFigureOut">
               <a:rPr lang="en-US" smtClean="0"/>
-              <a:t>5/21/2025</a:t>
+              <a:t>5/24/2025</a:t>
             </a:fld>
             <a:endParaRPr lang="en-US"/>
           </a:p>
@@ -1817,7 +1818,7 @@
           <a:p>
             <a:fld id="{65FB9B10-DD6A-4A61-BD81-A08AC2F071D7}" type="datetimeFigureOut">
               <a:rPr lang="en-US" smtClean="0"/>
-              <a:t>5/21/2025</a:t>
+              <a:t>5/24/2025</a:t>
             </a:fld>
             <a:endParaRPr lang="en-US"/>
           </a:p>
@@ -1958,7 +1959,7 @@
           <a:p>
             <a:fld id="{65FB9B10-DD6A-4A61-BD81-A08AC2F071D7}" type="datetimeFigureOut">
               <a:rPr lang="en-US" smtClean="0"/>
-              <a:t>5/21/2025</a:t>
+              <a:t>5/24/2025</a:t>
             </a:fld>
             <a:endParaRPr lang="en-US"/>
           </a:p>
@@ -2071,7 +2072,7 @@
           <a:p>
             <a:fld id="{65FB9B10-DD6A-4A61-BD81-A08AC2F071D7}" type="datetimeFigureOut">
               <a:rPr lang="en-US" smtClean="0"/>
-              <a:t>5/21/2025</a:t>
+              <a:t>5/24/2025</a:t>
             </a:fld>
             <a:endParaRPr lang="en-US"/>
           </a:p>
@@ -2382,7 +2383,7 @@
           <a:p>
             <a:fld id="{65FB9B10-DD6A-4A61-BD81-A08AC2F071D7}" type="datetimeFigureOut">
               <a:rPr lang="en-US" smtClean="0"/>
-              <a:t>5/21/2025</a:t>
+              <a:t>5/24/2025</a:t>
             </a:fld>
             <a:endParaRPr lang="en-US"/>
           </a:p>
@@ -2670,7 +2671,7 @@
           <a:p>
             <a:fld id="{65FB9B10-DD6A-4A61-BD81-A08AC2F071D7}" type="datetimeFigureOut">
               <a:rPr lang="en-US" smtClean="0"/>
-              <a:t>5/21/2025</a:t>
+              <a:t>5/24/2025</a:t>
             </a:fld>
             <a:endParaRPr lang="en-US"/>
           </a:p>
@@ -2911,7 +2912,7 @@
           <a:p>
             <a:fld id="{65FB9B10-DD6A-4A61-BD81-A08AC2F071D7}" type="datetimeFigureOut">
               <a:rPr lang="en-US" smtClean="0"/>
-              <a:t>5/21/2025</a:t>
+              <a:t>5/24/2025</a:t>
             </a:fld>
             <a:endParaRPr lang="en-US"/>
           </a:p>
@@ -4013,6 +4014,184 @@
 </p:sld>
 </file>
 
+<file path=ppt/slides/slide4.xml><?xml version="1.0" encoding="utf-8"?>
+<p:sld xmlns:a="http://schemas.openxmlformats.org/drawingml/2006/main" xmlns:r="http://schemas.openxmlformats.org/officeDocument/2006/relationships" xmlns:p="http://schemas.openxmlformats.org/presentationml/2006/main">
+  <p:cSld>
+    <p:spTree>
+      <p:nvGrpSpPr>
+        <p:cNvPr id="1" name=""/>
+        <p:cNvGrpSpPr/>
+        <p:nvPr/>
+      </p:nvGrpSpPr>
+      <p:grpSpPr>
+        <a:xfrm>
+          <a:off x="0" y="0"/>
+          <a:ext cx="0" cy="0"/>
+          <a:chOff x="0" y="0"/>
+          <a:chExt cx="0" cy="0"/>
+        </a:xfrm>
+      </p:grpSpPr>
+      <p:pic>
+        <p:nvPicPr>
+          <p:cNvPr id="6" name="Picture 5">
+            <a:extLst>
+              <a:ext uri="{FF2B5EF4-FFF2-40B4-BE49-F238E27FC236}">
+                <a16:creationId xmlns:a16="http://schemas.microsoft.com/office/drawing/2014/main" id="{5850041A-4090-A847-07B1-C4502C718457}"/>
+              </a:ext>
+            </a:extLst>
+          </p:cNvPr>
+          <p:cNvPicPr>
+            <a:picLocks noChangeAspect="1"/>
+          </p:cNvPicPr>
+          <p:nvPr/>
+        </p:nvPicPr>
+        <p:blipFill>
+          <a:blip r:embed="rId2"/>
+          <a:srcRect b="85919"/>
+          <a:stretch/>
+        </p:blipFill>
+        <p:spPr>
+          <a:xfrm>
+            <a:off x="0" y="0"/>
+            <a:ext cx="12192000" cy="685800"/>
+          </a:xfrm>
+          <a:prstGeom prst="rect">
+            <a:avLst/>
+          </a:prstGeom>
+        </p:spPr>
+      </p:pic>
+      <p:pic>
+        <p:nvPicPr>
+          <p:cNvPr id="10" name="Picture 9">
+            <a:extLst>
+              <a:ext uri="{FF2B5EF4-FFF2-40B4-BE49-F238E27FC236}">
+                <a16:creationId xmlns:a16="http://schemas.microsoft.com/office/drawing/2014/main" id="{3EF0066E-E8A5-F3B0-27DC-34EFE5B34567}"/>
+              </a:ext>
+            </a:extLst>
+          </p:cNvPr>
+          <p:cNvPicPr>
+            <a:picLocks noChangeAspect="1"/>
+          </p:cNvPicPr>
+          <p:nvPr/>
+        </p:nvPicPr>
+        <p:blipFill>
+          <a:blip r:embed="rId3"/>
+          <a:srcRect l="2478" t="19520" r="70019" b="4812"/>
+          <a:stretch/>
+        </p:blipFill>
+        <p:spPr>
+          <a:xfrm>
+            <a:off x="7277100" y="1333500"/>
+            <a:ext cx="2695576" cy="2695575"/>
+          </a:xfrm>
+          <a:prstGeom prst="rect">
+            <a:avLst/>
+          </a:prstGeom>
+        </p:spPr>
+      </p:pic>
+      <p:sp>
+        <p:nvSpPr>
+          <p:cNvPr id="13" name="TextBox 12">
+            <a:extLst>
+              <a:ext uri="{FF2B5EF4-FFF2-40B4-BE49-F238E27FC236}">
+                <a16:creationId xmlns:a16="http://schemas.microsoft.com/office/drawing/2014/main" id="{5BAE46E5-AEE9-49B8-301B-F2DD7D5D3B58}"/>
+              </a:ext>
+            </a:extLst>
+          </p:cNvPr>
+          <p:cNvSpPr txBox="1"/>
+          <p:nvPr/>
+        </p:nvSpPr>
+        <p:spPr>
+          <a:xfrm>
+            <a:off x="2057400" y="1562100"/>
+            <a:ext cx="5334000" cy="369332"/>
+          </a:xfrm>
+          <a:prstGeom prst="rect">
+            <a:avLst/>
+          </a:prstGeom>
+          <a:noFill/>
+        </p:spPr>
+        <p:txBody>
+          <a:bodyPr wrap="square" rtlCol="0">
+            <a:spAutoFit/>
+          </a:bodyPr>
+          <a:lstStyle/>
+          <a:p>
+            <a:r>
+              <a:rPr lang="en-US" dirty="0">
+                <a:latin typeface="Roboto Black" panose="02000000000000000000" pitchFamily="2" charset="0"/>
+                <a:ea typeface="Roboto Black" panose="02000000000000000000" pitchFamily="2" charset="0"/>
+              </a:rPr>
+              <a:t>Breakthrough Haptic Technology</a:t>
+            </a:r>
+          </a:p>
+        </p:txBody>
+      </p:sp>
+      <p:sp>
+        <p:nvSpPr>
+          <p:cNvPr id="15" name="TextBox 14">
+            <a:extLst>
+              <a:ext uri="{FF2B5EF4-FFF2-40B4-BE49-F238E27FC236}">
+                <a16:creationId xmlns:a16="http://schemas.microsoft.com/office/drawing/2014/main" id="{EA2FF44E-C27A-C2E9-B189-8D53D2659A97}"/>
+              </a:ext>
+            </a:extLst>
+          </p:cNvPr>
+          <p:cNvSpPr txBox="1"/>
+          <p:nvPr/>
+        </p:nvSpPr>
+        <p:spPr>
+          <a:xfrm>
+            <a:off x="2038349" y="2022902"/>
+            <a:ext cx="5238751" cy="1754326"/>
+          </a:xfrm>
+          <a:prstGeom prst="rect">
+            <a:avLst/>
+          </a:prstGeom>
+          <a:noFill/>
+        </p:spPr>
+        <p:txBody>
+          <a:bodyPr wrap="square" rtlCol="0">
+            <a:spAutoFit/>
+          </a:bodyPr>
+          <a:lstStyle/>
+          <a:p>
+            <a:r>
+              <a:rPr lang="en-US" sz="1200" dirty="0">
+                <a:latin typeface="Roboto" panose="02000000000000000000" pitchFamily="2" charset="0"/>
+                <a:ea typeface="Roboto" panose="02000000000000000000" pitchFamily="2" charset="0"/>
+              </a:rPr>
+              <a:t>This breakthrough transducer integrates human skin as a central mechanical component, creating the first energy-recovering haptic actuator. By leveraging skin's natural elasticity, the device achieves bistable operation with 285% greater energy efficiency than conventional approaches. The electromagnetic mechanism delivers forces up to 1.4 N with displacements exceeding 2 mm, targeting specific mechanoreceptor classes for precise tactile sensations. This </a:t>
+            </a:r>
+            <a:r>
+              <a:rPr lang="en-US" sz="1200" dirty="0" err="1">
+                <a:latin typeface="Roboto" panose="02000000000000000000" pitchFamily="2" charset="0"/>
+                <a:ea typeface="Roboto" panose="02000000000000000000" pitchFamily="2" charset="0"/>
+              </a:rPr>
+              <a:t>biointegrated</a:t>
+            </a:r>
+            <a:r>
+              <a:rPr lang="en-US" sz="1200" dirty="0">
+                <a:latin typeface="Roboto" panose="02000000000000000000" pitchFamily="2" charset="0"/>
+                <a:ea typeface="Roboto" panose="02000000000000000000" pitchFamily="2" charset="0"/>
+              </a:rPr>
+              <a:t> approach fundamentally reimagines the interface between technology and human sensory perception.</a:t>
+            </a:r>
+          </a:p>
+        </p:txBody>
+      </p:sp>
+    </p:spTree>
+    <p:extLst>
+      <p:ext uri="{BB962C8B-B14F-4D97-AF65-F5344CB8AC3E}">
+        <p14:creationId xmlns:p14="http://schemas.microsoft.com/office/powerpoint/2010/main" val="2337135881"/>
+      </p:ext>
+    </p:extLst>
+  </p:cSld>
+  <p:clrMapOvr>
+    <a:masterClrMapping/>
+  </p:clrMapOvr>
+</p:sld>
+</file>
+
 <file path=ppt/theme/theme1.xml><?xml version="1.0" encoding="utf-8"?>
 <a:theme xmlns:a="http://schemas.openxmlformats.org/drawingml/2006/main" name="Office Theme">
   <a:themeElements>

--- a/assets/mockup.pptx
+++ b/assets/mockup.pptx
@@ -4060,6 +4060,67 @@
           </a:prstGeom>
         </p:spPr>
       </p:pic>
+      <p:sp>
+        <p:nvSpPr>
+          <p:cNvPr id="16" name="Rectangle 15">
+            <a:extLst>
+              <a:ext uri="{FF2B5EF4-FFF2-40B4-BE49-F238E27FC236}">
+                <a16:creationId xmlns:a16="http://schemas.microsoft.com/office/drawing/2014/main" id="{ED50BDB3-5923-1030-8D48-E57B8E6E44F0}"/>
+              </a:ext>
+            </a:extLst>
+          </p:cNvPr>
+          <p:cNvSpPr/>
+          <p:nvPr/>
+        </p:nvSpPr>
+        <p:spPr>
+          <a:xfrm>
+            <a:off x="1" y="6276975"/>
+            <a:ext cx="12192000" cy="581025"/>
+          </a:xfrm>
+          <a:prstGeom prst="rect">
+            <a:avLst/>
+          </a:prstGeom>
+          <a:gradFill flip="none" rotWithShape="1">
+            <a:gsLst>
+              <a:gs pos="0">
+                <a:srgbClr val="29292A"/>
+              </a:gs>
+              <a:gs pos="100000">
+                <a:srgbClr val="29292A"/>
+              </a:gs>
+            </a:gsLst>
+            <a:lin ang="0" scaled="1"/>
+            <a:tileRect/>
+          </a:gradFill>
+          <a:ln>
+            <a:noFill/>
+          </a:ln>
+        </p:spPr>
+        <p:style>
+          <a:lnRef idx="2">
+            <a:schemeClr val="accent1">
+              <a:shade val="15000"/>
+            </a:schemeClr>
+          </a:lnRef>
+          <a:fillRef idx="1">
+            <a:schemeClr val="accent1"/>
+          </a:fillRef>
+          <a:effectRef idx="0">
+            <a:schemeClr val="accent1"/>
+          </a:effectRef>
+          <a:fontRef idx="minor">
+            <a:schemeClr val="lt1"/>
+          </a:fontRef>
+        </p:style>
+        <p:txBody>
+          <a:bodyPr rtlCol="0" anchor="ctr"/>
+          <a:lstStyle/>
+          <a:p>
+            <a:pPr algn="ctr"/>
+            <a:endParaRPr lang="en-US"/>
+          </a:p>
+        </p:txBody>
+      </p:sp>
       <p:pic>
         <p:nvPicPr>
           <p:cNvPr id="10" name="Picture 9">
@@ -4081,8 +4142,8 @@
         </p:blipFill>
         <p:spPr>
           <a:xfrm>
-            <a:off x="7277100" y="1333500"/>
-            <a:ext cx="2695576" cy="2695575"/>
+            <a:off x="7053256" y="1719256"/>
+            <a:ext cx="3419489" cy="3419488"/>
           </a:xfrm>
           <a:prstGeom prst="rect">
             <a:avLst/>
@@ -4103,8 +4164,8 @@
         </p:nvSpPr>
         <p:spPr>
           <a:xfrm>
-            <a:off x="2057400" y="1562100"/>
-            <a:ext cx="5334000" cy="369332"/>
+            <a:off x="1719256" y="2033507"/>
+            <a:ext cx="5334000" cy="400110"/>
           </a:xfrm>
           <a:prstGeom prst="rect">
             <a:avLst/>
@@ -4118,7 +4179,7 @@
           <a:lstStyle/>
           <a:p>
             <a:r>
-              <a:rPr lang="en-US" dirty="0">
+              <a:rPr lang="en-US" sz="2000" dirty="0">
                 <a:latin typeface="Roboto Black" panose="02000000000000000000" pitchFamily="2" charset="0"/>
                 <a:ea typeface="Roboto Black" panose="02000000000000000000" pitchFamily="2" charset="0"/>
               </a:rPr>
@@ -4141,7 +4202,7 @@
         </p:nvSpPr>
         <p:spPr>
           <a:xfrm>
-            <a:off x="2038349" y="2022902"/>
+            <a:off x="1719256" y="2561073"/>
             <a:ext cx="5238751" cy="1754326"/>
           </a:xfrm>
           <a:prstGeom prst="rect">
@@ -4160,21 +4221,188 @@
                 <a:latin typeface="Roboto" panose="02000000000000000000" pitchFamily="2" charset="0"/>
                 <a:ea typeface="Roboto" panose="02000000000000000000" pitchFamily="2" charset="0"/>
               </a:rPr>
-              <a:t>This breakthrough transducer integrates human skin as a central mechanical component, creating the first energy-recovering haptic actuator. By leveraging skin's natural elasticity, the device achieves bistable operation with 285% greater energy efficiency than conventional approaches. The electromagnetic mechanism delivers forces up to 1.4 N with displacements exceeding 2 mm, targeting specific mechanoreceptor classes for precise tactile sensations. This </a:t>
-            </a:r>
-            <a:r>
-              <a:rPr lang="en-US" sz="1200" dirty="0" err="1">
-                <a:latin typeface="Roboto" panose="02000000000000000000" pitchFamily="2" charset="0"/>
-                <a:ea typeface="Roboto" panose="02000000000000000000" pitchFamily="2" charset="0"/>
-              </a:rPr>
-              <a:t>biointegrated</a:t>
-            </a:r>
+              <a:t>This breakthrough transducer integrates human skin as a central mechanical component, creating the first energy-recovering haptic actuator. By leveraging skin's natural elasticity, the device achieves bistable operation with 285% greater energy efficiency than conventional approaches. The electromagnetic mechanism delivers forces up to 1.4 N with displacements exceeding 2 mm, targeting specific mechanoreceptor classes for precise tactile sensations. This bio-integrated approach fundamentally reimagines the interface between technology and human sensory perception.</a:t>
+            </a:r>
+          </a:p>
+        </p:txBody>
+      </p:sp>
+      <p:cxnSp>
+        <p:nvCxnSpPr>
+          <p:cNvPr id="18" name="Straight Connector 17">
+            <a:extLst>
+              <a:ext uri="{FF2B5EF4-FFF2-40B4-BE49-F238E27FC236}">
+                <a16:creationId xmlns:a16="http://schemas.microsoft.com/office/drawing/2014/main" id="{02299108-F72E-45CE-9FFA-8B7D5A9A4F90}"/>
+              </a:ext>
+            </a:extLst>
+          </p:cNvPr>
+          <p:cNvCxnSpPr>
+            <a:cxnSpLocks/>
+          </p:cNvCxnSpPr>
+          <p:nvPr/>
+        </p:nvCxnSpPr>
+        <p:spPr>
+          <a:xfrm>
+            <a:off x="1804982" y="2448321"/>
+            <a:ext cx="4905375" cy="0"/>
+          </a:xfrm>
+          <a:prstGeom prst="line">
+            <a:avLst/>
+          </a:prstGeom>
+          <a:ln w="6350">
+            <a:solidFill>
+              <a:schemeClr val="tx1">
+                <a:alpha val="10000"/>
+              </a:schemeClr>
+            </a:solidFill>
+          </a:ln>
+        </p:spPr>
+        <p:style>
+          <a:lnRef idx="2">
+            <a:schemeClr val="accent1"/>
+          </a:lnRef>
+          <a:fillRef idx="0">
+            <a:schemeClr val="accent1"/>
+          </a:fillRef>
+          <a:effectRef idx="1">
+            <a:schemeClr val="accent1"/>
+          </a:effectRef>
+          <a:fontRef idx="minor">
+            <a:schemeClr val="tx1"/>
+          </a:fontRef>
+        </p:style>
+      </p:cxnSp>
+      <p:sp>
+        <p:nvSpPr>
+          <p:cNvPr id="20" name="Rectangle: Rounded Corners 19">
+            <a:extLst>
+              <a:ext uri="{FF2B5EF4-FFF2-40B4-BE49-F238E27FC236}">
+                <a16:creationId xmlns:a16="http://schemas.microsoft.com/office/drawing/2014/main" id="{AEC54C11-6A62-E1C2-9729-D8CD136CDE4C}"/>
+              </a:ext>
+            </a:extLst>
+          </p:cNvPr>
+          <p:cNvSpPr/>
+          <p:nvPr/>
+        </p:nvSpPr>
+        <p:spPr>
+          <a:xfrm>
+            <a:off x="1804982" y="4529159"/>
+            <a:ext cx="1581150" cy="400466"/>
+          </a:xfrm>
+          <a:prstGeom prst="roundRect">
+            <a:avLst/>
+          </a:prstGeom>
+          <a:solidFill>
+            <a:schemeClr val="tx1">
+              <a:lumMod val="65000"/>
+              <a:lumOff val="35000"/>
+            </a:schemeClr>
+          </a:solidFill>
+          <a:ln>
+            <a:noFill/>
+          </a:ln>
+          <a:effectLst>
+            <a:outerShdw blurRad="50800" dist="38100" dir="2700000" algn="tl" rotWithShape="0">
+              <a:prstClr val="black">
+                <a:alpha val="40000"/>
+              </a:prstClr>
+            </a:outerShdw>
+          </a:effectLst>
+        </p:spPr>
+        <p:style>
+          <a:lnRef idx="2">
+            <a:schemeClr val="accent1">
+              <a:shade val="15000"/>
+            </a:schemeClr>
+          </a:lnRef>
+          <a:fillRef idx="1">
+            <a:schemeClr val="accent1"/>
+          </a:fillRef>
+          <a:effectRef idx="0">
+            <a:schemeClr val="accent1"/>
+          </a:effectRef>
+          <a:fontRef idx="minor">
+            <a:schemeClr val="lt1"/>
+          </a:fontRef>
+        </p:style>
+        <p:txBody>
+          <a:bodyPr rtlCol="0" anchor="ctr"/>
+          <a:lstStyle/>
+          <a:p>
+            <a:pPr algn="ctr"/>
             <a:r>
               <a:rPr lang="en-US" sz="1200" dirty="0">
                 <a:latin typeface="Roboto" panose="02000000000000000000" pitchFamily="2" charset="0"/>
                 <a:ea typeface="Roboto" panose="02000000000000000000" pitchFamily="2" charset="0"/>
               </a:rPr>
-              <a:t> approach fundamentally reimagines the interface between technology and human sensory perception.</a:t>
+              <a:t>Explore Design</a:t>
+            </a:r>
+          </a:p>
+        </p:txBody>
+      </p:sp>
+      <p:sp>
+        <p:nvSpPr>
+          <p:cNvPr id="21" name="Rectangle: Rounded Corners 20">
+            <a:extLst>
+              <a:ext uri="{FF2B5EF4-FFF2-40B4-BE49-F238E27FC236}">
+                <a16:creationId xmlns:a16="http://schemas.microsoft.com/office/drawing/2014/main" id="{01E79DF1-6242-EC81-71E6-5AF605162875}"/>
+              </a:ext>
+            </a:extLst>
+          </p:cNvPr>
+          <p:cNvSpPr/>
+          <p:nvPr/>
+        </p:nvSpPr>
+        <p:spPr>
+          <a:xfrm>
+            <a:off x="3929057" y="4529158"/>
+            <a:ext cx="1943100" cy="400466"/>
+          </a:xfrm>
+          <a:prstGeom prst="roundRect">
+            <a:avLst/>
+          </a:prstGeom>
+          <a:solidFill>
+            <a:schemeClr val="tx1">
+              <a:lumMod val="65000"/>
+              <a:lumOff val="35000"/>
+            </a:schemeClr>
+          </a:solidFill>
+          <a:ln>
+            <a:noFill/>
+          </a:ln>
+          <a:effectLst>
+            <a:outerShdw blurRad="50800" dist="38100" dir="2700000" algn="tl" rotWithShape="0">
+              <a:prstClr val="black">
+                <a:alpha val="40000"/>
+              </a:prstClr>
+            </a:outerShdw>
+          </a:effectLst>
+        </p:spPr>
+        <p:style>
+          <a:lnRef idx="2">
+            <a:schemeClr val="accent1">
+              <a:shade val="15000"/>
+            </a:schemeClr>
+          </a:lnRef>
+          <a:fillRef idx="1">
+            <a:schemeClr val="accent1"/>
+          </a:fillRef>
+          <a:effectRef idx="0">
+            <a:schemeClr val="accent1"/>
+          </a:effectRef>
+          <a:fontRef idx="minor">
+            <a:schemeClr val="lt1"/>
+          </a:fontRef>
+        </p:style>
+        <p:txBody>
+          <a:bodyPr rtlCol="0" anchor="ctr"/>
+          <a:lstStyle/>
+          <a:p>
+            <a:pPr algn="ctr"/>
+            <a:r>
+              <a:rPr lang="en-US" sz="1200" dirty="0">
+                <a:latin typeface="Roboto" panose="02000000000000000000" pitchFamily="2" charset="0"/>
+                <a:ea typeface="Roboto" panose="02000000000000000000" pitchFamily="2" charset="0"/>
+              </a:rPr>
+              <a:t>View Applications</a:t>
             </a:r>
           </a:p>
         </p:txBody>
